--- a/Hackimon – Our team member2.pptx
+++ b/Hackimon – Our team member2.pptx
@@ -5364,8 +5364,21 @@
                   <a:srgbClr val="002060"/>
                 </a:solidFill>
               </a:rPr>
-              <a:t> to change the word</a:t>
-            </a:r>
+              <a:t> to change the </a:t>
+            </a:r>
+            <a:r>
+              <a:rPr lang="en-US" altLang="zh-TW" sz="1600" dirty="0" smtClean="0">
+                <a:solidFill>
+                  <a:srgbClr val="002060"/>
+                </a:solidFill>
+              </a:rPr>
+              <a:t>world</a:t>
+            </a:r>
+            <a:endParaRPr lang="en-US" altLang="zh-TW" sz="1600" dirty="0" smtClean="0">
+              <a:solidFill>
+                <a:srgbClr val="002060"/>
+              </a:solidFill>
+            </a:endParaRPr>
           </a:p>
         </p:txBody>
       </p:sp>

--- a/Hackimon – Our team member2.pptx
+++ b/Hackimon – Our team member2.pptx
@@ -5315,7 +5315,7 @@
                   <a:srgbClr val="002060"/>
                 </a:solidFill>
               </a:rPr>
-              <a:t>Hackidemy</a:t>
+              <a:t>Hackademy</a:t>
             </a:r>
             <a:r>
               <a:rPr lang="en-US" altLang="zh-TW" sz="1600" dirty="0" smtClean="0">
@@ -5323,7 +5323,15 @@
                   <a:srgbClr val="002060"/>
                 </a:solidFill>
               </a:rPr>
-              <a:t> is a good learning program. </a:t>
+              <a:t> </a:t>
+            </a:r>
+            <a:r>
+              <a:rPr lang="en-US" altLang="zh-TW" sz="1600" dirty="0" smtClean="0">
+                <a:solidFill>
+                  <a:srgbClr val="002060"/>
+                </a:solidFill>
+              </a:rPr>
+              <a:t>is a good learning program. </a:t>
             </a:r>
           </a:p>
           <a:p>
@@ -5364,21 +5372,8 @@
                   <a:srgbClr val="002060"/>
                 </a:solidFill>
               </a:rPr>
-              <a:t> to change the </a:t>
-            </a:r>
-            <a:r>
-              <a:rPr lang="en-US" altLang="zh-TW" sz="1600" dirty="0" smtClean="0">
-                <a:solidFill>
-                  <a:srgbClr val="002060"/>
-                </a:solidFill>
-              </a:rPr>
-              <a:t>world</a:t>
-            </a:r>
-            <a:endParaRPr lang="en-US" altLang="zh-TW" sz="1600" dirty="0" smtClean="0">
-              <a:solidFill>
-                <a:srgbClr val="002060"/>
-              </a:solidFill>
-            </a:endParaRPr>
+              <a:t> to change the world</a:t>
+            </a:r>
           </a:p>
         </p:txBody>
       </p:sp>
